--- a/6_17_12_2018/Talk 2 - Docker for Data Science.pptx
+++ b/6_17_12_2018/Talk 2 - Docker for Data Science.pptx
@@ -240,7 +240,7 @@
           <a:p>
             <a:fld id="{356181EA-CE96-B54B-B79D-2E33B2DA0BFF}" type="datetimeFigureOut">
               <a:rPr lang="en-US" smtClean="0"/>
-              <a:t>12/16/2018</a:t>
+              <a:t>28-Dec-18</a:t>
             </a:fld>
             <a:endParaRPr lang="en-US"/>
           </a:p>
@@ -7532,7 +7532,7 @@
           <a:p>
             <a:r>
               <a:rPr lang="en-US" dirty="0"/>
-              <a:t>Docker for Data Science and our AI Systems</a:t>
+              <a:t>Docker for Data Science</a:t>
             </a:r>
           </a:p>
           <a:p>
@@ -7642,7 +7642,7 @@
                   <a:srgbClr val="FF0000"/>
                 </a:solidFill>
               </a:rPr>
-              <a:t>FULL DISCLOSURE: I AM IN NO WAY AN EXPERT IN DOCKER.</a:t>
+              <a:t>FULL DISCLAIMER: I AM IN NO WAY AN EXPERT IN DOCKER.</a:t>
             </a:r>
           </a:p>
           <a:p>
@@ -9640,6 +9640,15 @@
 </file>
 
 <file path=customXml/item2.xml><?xml version="1.0" encoding="utf-8"?>
+<?mso-contentType ?>
+<FormTemplates xmlns="http://schemas.microsoft.com/sharepoint/v3/contenttype/forms">
+  <Display>DocumentLibraryForm</Display>
+  <Edit>DocumentLibraryForm</Edit>
+  <New>DocumentLibraryForm</New>
+</FormTemplates>
+</file>
+
+<file path=customXml/item3.xml><?xml version="1.0" encoding="utf-8"?>
 <ct:contentTypeSchema xmlns:ct="http://schemas.microsoft.com/office/2006/metadata/contentType" xmlns:ma="http://schemas.microsoft.com/office/2006/metadata/properties/metaAttributes" ct:_="" ma:_="" ma:contentTypeName="Document" ma:contentTypeID="0x01010095B01548DDE9B74D9DAD4F3D9164F701" ma:contentTypeVersion="2" ma:contentTypeDescription="Create a new document." ma:contentTypeScope="" ma:versionID="6fc04dad3d204fce2cc37213e2389f37">
   <xsd:schema xmlns:xsd="http://www.w3.org/2001/XMLSchema" xmlns:xs="http://www.w3.org/2001/XMLSchema" xmlns:p="http://schemas.microsoft.com/office/2006/metadata/properties" xmlns:ns2="86957cf7-92e3-4637-8739-7090b38f6ee9" targetNamespace="http://schemas.microsoft.com/office/2006/metadata/properties" ma:root="true" ma:fieldsID="5c2ae23741a0fc92e8dd43b62245bbfd" ns2:_="">
     <xsd:import namespace="86957cf7-92e3-4637-8739-7090b38f6ee9"/>
@@ -9771,25 +9780,25 @@
 </ct:contentTypeSchema>
 </file>
 
-<file path=customXml/item3.xml><?xml version="1.0" encoding="utf-8"?>
-<?mso-contentType ?>
-<FormTemplates xmlns="http://schemas.microsoft.com/sharepoint/v3/contenttype/forms">
-  <Display>DocumentLibraryForm</Display>
-  <Edit>DocumentLibraryForm</Edit>
-  <New>DocumentLibraryForm</New>
-</FormTemplates>
-</file>
-
 <file path=customXml/itemProps1.xml><?xml version="1.0" encoding="utf-8"?>
 <ds:datastoreItem xmlns:ds="http://schemas.openxmlformats.org/officeDocument/2006/customXml" ds:itemID="{E93F3D29-1F2A-49EA-96CC-5F5B93F5C896}">
   <ds:schemaRefs>
     <ds:schemaRef ds:uri="http://schemas.microsoft.com/office/2006/metadata/properties"/>
     <ds:schemaRef ds:uri="http://www.w3.org/2000/xmlns/"/>
+    <ds:schemaRef ds:uri="http://schemas.microsoft.com/office/infopath/2007/PartnerControls"/>
   </ds:schemaRefs>
 </ds:datastoreItem>
 </file>
 
 <file path=customXml/itemProps2.xml><?xml version="1.0" encoding="utf-8"?>
+<ds:datastoreItem xmlns:ds="http://schemas.openxmlformats.org/officeDocument/2006/customXml" ds:itemID="{3ECAF35F-B898-4E51-8D59-EE83C008727E}">
+  <ds:schemaRefs>
+    <ds:schemaRef ds:uri="http://schemas.microsoft.com/sharepoint/v3/contenttype/forms"/>
+  </ds:schemaRefs>
+</ds:datastoreItem>
+</file>
+
+<file path=customXml/itemProps3.xml><?xml version="1.0" encoding="utf-8"?>
 <ds:datastoreItem xmlns:ds="http://schemas.openxmlformats.org/officeDocument/2006/customXml" ds:itemID="{9E9C79D2-21E5-4A05-BBE9-2EB0FE91DBE2}">
   <ds:schemaRefs>
     <ds:schemaRef ds:uri="http://schemas.microsoft.com/office/2006/metadata/contentType"/>
@@ -9797,14 +9806,13 @@
     <ds:schemaRef ds:uri="http://www.w3.org/2000/xmlns/"/>
     <ds:schemaRef ds:uri="http://www.w3.org/2001/XMLSchema"/>
     <ds:schemaRef ds:uri="86957cf7-92e3-4637-8739-7090b38f6ee9"/>
-  </ds:schemaRefs>
-</ds:datastoreItem>
-</file>
-
-<file path=customXml/itemProps3.xml><?xml version="1.0" encoding="utf-8"?>
-<ds:datastoreItem xmlns:ds="http://schemas.openxmlformats.org/officeDocument/2006/customXml" ds:itemID="{3ECAF35F-B898-4E51-8D59-EE83C008727E}">
-  <ds:schemaRefs>
-    <ds:schemaRef ds:uri="http://schemas.microsoft.com/sharepoint/v3/contenttype/forms"/>
+    <ds:schemaRef ds:uri="http://schemas.microsoft.com/office/2006/metadata/properties"/>
+    <ds:schemaRef ds:uri="http://schemas.microsoft.com/office/2006/documentManagement/types"/>
+    <ds:schemaRef ds:uri="http://schemas.microsoft.com/office/infopath/2007/PartnerControls"/>
+    <ds:schemaRef ds:uri="http://schemas.openxmlformats.org/package/2006/metadata/core-properties"/>
+    <ds:schemaRef ds:uri="http://purl.org/dc/elements/1.1/"/>
+    <ds:schemaRef ds:uri="http://purl.org/dc/terms/"/>
+    <ds:schemaRef ds:uri="http://schemas.microsoft.com/internal/obd"/>
   </ds:schemaRefs>
 </ds:datastoreItem>
 </file>